--- a/trunk/WIP/Documents/Report 1/UJD_VN_Exammination/UJD_VN_ProjectOverview_v1.0.pptx
+++ b/trunk/WIP/Documents/Report 1/UJD_VN_Exammination/UJD_VN_ProjectOverview_v1.0.pptx
@@ -16,15 +16,14 @@
     <p:sldId id="273" r:id="rId10"/>
     <p:sldId id="264" r:id="rId11"/>
     <p:sldId id="275" r:id="rId12"/>
-    <p:sldId id="276" r:id="rId13"/>
-    <p:sldId id="266" r:id="rId14"/>
-    <p:sldId id="265" r:id="rId15"/>
-    <p:sldId id="274" r:id="rId16"/>
-    <p:sldId id="267" r:id="rId17"/>
-    <p:sldId id="263" r:id="rId18"/>
-    <p:sldId id="268" r:id="rId19"/>
-    <p:sldId id="269" r:id="rId20"/>
-    <p:sldId id="270" r:id="rId21"/>
+    <p:sldId id="266" r:id="rId13"/>
+    <p:sldId id="265" r:id="rId14"/>
+    <p:sldId id="274" r:id="rId15"/>
+    <p:sldId id="267" r:id="rId16"/>
+    <p:sldId id="263" r:id="rId17"/>
+    <p:sldId id="268" r:id="rId18"/>
+    <p:sldId id="269" r:id="rId19"/>
+    <p:sldId id="270" r:id="rId20"/>
   </p:sldIdLst>
   <p:sldSz cx="12192000" cy="6858000"/>
   <p:notesSz cx="6858000" cy="9144000"/>
@@ -14542,7 +14541,7 @@
           <a:p>
             <a:fld id="{48A87A34-81AB-432B-8DAE-1953F412C126}" type="datetimeFigureOut">
               <a:rPr lang="en-US" dirty="0"/>
-              <a:t>5/27/2014</a:t>
+              <a:t>6/3/2014</a:t>
             </a:fld>
             <a:endParaRPr lang="en-US" dirty="0"/>
           </a:p>
@@ -14852,7 +14851,7 @@
           <a:p>
             <a:fld id="{48A87A34-81AB-432B-8DAE-1953F412C126}" type="datetimeFigureOut">
               <a:rPr lang="en-US" dirty="0"/>
-              <a:t>5/27/2014</a:t>
+              <a:t>6/3/2014</a:t>
             </a:fld>
             <a:endParaRPr lang="en-US" dirty="0"/>
           </a:p>
@@ -15069,7 +15068,7 @@
           <a:p>
             <a:fld id="{48A87A34-81AB-432B-8DAE-1953F412C126}" type="datetimeFigureOut">
               <a:rPr lang="en-US" dirty="0"/>
-              <a:t>5/27/2014</a:t>
+              <a:t>6/3/2014</a:t>
             </a:fld>
             <a:endParaRPr lang="en-US" dirty="0"/>
           </a:p>
@@ -15355,7 +15354,7 @@
           <a:p>
             <a:fld id="{48A87A34-81AB-432B-8DAE-1953F412C126}" type="datetimeFigureOut">
               <a:rPr lang="en-US" dirty="0"/>
-              <a:t>5/27/2014</a:t>
+              <a:t>6/3/2014</a:t>
             </a:fld>
             <a:endParaRPr lang="en-US" dirty="0"/>
           </a:p>
@@ -15804,7 +15803,7 @@
           <a:p>
             <a:fld id="{48A87A34-81AB-432B-8DAE-1953F412C126}" type="datetimeFigureOut">
               <a:rPr lang="en-US" dirty="0"/>
-              <a:t>5/27/2014</a:t>
+              <a:t>6/3/2014</a:t>
             </a:fld>
             <a:endParaRPr lang="en-US" dirty="0"/>
           </a:p>
@@ -16375,7 +16374,7 @@
           <a:p>
             <a:fld id="{48A87A34-81AB-432B-8DAE-1953F412C126}" type="datetimeFigureOut">
               <a:rPr lang="en-US" dirty="0"/>
-              <a:t>5/27/2014</a:t>
+              <a:t>6/3/2014</a:t>
             </a:fld>
             <a:endParaRPr lang="en-US" dirty="0"/>
           </a:p>
@@ -17231,7 +17230,7 @@
           <a:p>
             <a:fld id="{48A87A34-81AB-432B-8DAE-1953F412C126}" type="datetimeFigureOut">
               <a:rPr lang="en-US" dirty="0"/>
-              <a:t>5/27/2014</a:t>
+              <a:t>6/3/2014</a:t>
             </a:fld>
             <a:endParaRPr lang="en-US" dirty="0"/>
           </a:p>
@@ -17431,7 +17430,7 @@
           <a:p>
             <a:fld id="{48A87A34-81AB-432B-8DAE-1953F412C126}" type="datetimeFigureOut">
               <a:rPr lang="en-US" dirty="0"/>
-              <a:t>5/27/2014</a:t>
+              <a:t>6/3/2014</a:t>
             </a:fld>
             <a:endParaRPr lang="en-US" dirty="0"/>
           </a:p>
@@ -17640,7 +17639,7 @@
           <a:p>
             <a:fld id="{48A87A34-81AB-432B-8DAE-1953F412C126}" type="datetimeFigureOut">
               <a:rPr lang="en-US" dirty="0"/>
-              <a:t>5/27/2014</a:t>
+              <a:t>6/3/2014</a:t>
             </a:fld>
             <a:endParaRPr lang="en-US" dirty="0"/>
           </a:p>
@@ -17840,7 +17839,7 @@
           <a:p>
             <a:fld id="{48A87A34-81AB-432B-8DAE-1953F412C126}" type="datetimeFigureOut">
               <a:rPr lang="en-US" dirty="0"/>
-              <a:t>5/27/2014</a:t>
+              <a:t>6/3/2014</a:t>
             </a:fld>
             <a:endParaRPr lang="en-US" dirty="0"/>
           </a:p>
@@ -18115,7 +18114,7 @@
           <a:p>
             <a:fld id="{48A87A34-81AB-432B-8DAE-1953F412C126}" type="datetimeFigureOut">
               <a:rPr lang="en-US" dirty="0"/>
-              <a:t>5/27/2014</a:t>
+              <a:t>6/3/2014</a:t>
             </a:fld>
             <a:endParaRPr lang="en-US" dirty="0"/>
           </a:p>
@@ -18377,7 +18376,7 @@
           <a:p>
             <a:fld id="{48A87A34-81AB-432B-8DAE-1953F412C126}" type="datetimeFigureOut">
               <a:rPr lang="en-US" dirty="0"/>
-              <a:t>5/27/2014</a:t>
+              <a:t>6/3/2014</a:t>
             </a:fld>
             <a:endParaRPr lang="en-US" dirty="0"/>
           </a:p>
@@ -18787,7 +18786,7 @@
           <a:p>
             <a:fld id="{48A87A34-81AB-432B-8DAE-1953F412C126}" type="datetimeFigureOut">
               <a:rPr lang="en-US" dirty="0"/>
-              <a:t>5/27/2014</a:t>
+              <a:t>6/3/2014</a:t>
             </a:fld>
             <a:endParaRPr lang="en-US" dirty="0"/>
           </a:p>
@@ -18930,7 +18929,7 @@
           <a:p>
             <a:fld id="{48A87A34-81AB-432B-8DAE-1953F412C126}" type="datetimeFigureOut">
               <a:rPr lang="en-US" dirty="0"/>
-              <a:t>5/27/2014</a:t>
+              <a:t>6/3/2014</a:t>
             </a:fld>
             <a:endParaRPr lang="en-US" dirty="0"/>
           </a:p>
@@ -19050,7 +19049,7 @@
           <a:p>
             <a:fld id="{48A87A34-81AB-432B-8DAE-1953F412C126}" type="datetimeFigureOut">
               <a:rPr lang="en-US" dirty="0"/>
-              <a:t>5/27/2014</a:t>
+              <a:t>6/3/2014</a:t>
             </a:fld>
             <a:endParaRPr lang="en-US" dirty="0"/>
           </a:p>
@@ -19324,7 +19323,7 @@
           <a:p>
             <a:fld id="{48A87A34-81AB-432B-8DAE-1953F412C126}" type="datetimeFigureOut">
               <a:rPr lang="en-US" dirty="0"/>
-              <a:t>5/27/2014</a:t>
+              <a:t>6/3/2014</a:t>
             </a:fld>
             <a:endParaRPr lang="en-US" dirty="0"/>
           </a:p>
@@ -19634,7 +19633,7 @@
           <a:p>
             <a:fld id="{48A87A34-81AB-432B-8DAE-1953F412C126}" type="datetimeFigureOut">
               <a:rPr lang="en-US" dirty="0"/>
-              <a:t>5/27/2014</a:t>
+              <a:t>6/3/2014</a:t>
             </a:fld>
             <a:endParaRPr lang="en-US" dirty="0"/>
           </a:p>
@@ -19883,7 +19882,7 @@
             <a:fld id="{48A87A34-81AB-432B-8DAE-1953F412C126}" type="datetimeFigureOut">
               <a:rPr lang="en-US" dirty="0"/>
               <a:pPr/>
-              <a:t>5/27/2014</a:t>
+              <a:t>6/3/2014</a:t>
             </a:fld>
             <a:endParaRPr lang="en-US" dirty="0"/>
           </a:p>
@@ -21155,7 +21154,19 @@
               <a:rPr lang="vi-VN" cap="none" dirty="0" smtClean="0">
                 <a:latin typeface="+mj-lt"/>
               </a:rPr>
-              <a:t>User can filter and searching words with options: dictionary Nhat- Viet, example sentences, grammar, video, conservation, specialized japanese</a:t>
+              <a:t>User can filter and searching words with options: </a:t>
+            </a:r>
+            <a:r>
+              <a:rPr lang="vi-VN" cap="none" dirty="0" smtClean="0">
+                <a:latin typeface="+mj-lt"/>
+              </a:rPr>
+              <a:t>example </a:t>
+            </a:r>
+            <a:r>
+              <a:rPr lang="vi-VN" cap="none" dirty="0" smtClean="0">
+                <a:latin typeface="+mj-lt"/>
+              </a:rPr>
+              <a:t>sentences, grammar, video, conservation, specialized japanese</a:t>
             </a:r>
           </a:p>
           <a:p>
@@ -21163,13 +21174,13 @@
               <a:rPr lang="vi-VN" cap="none" dirty="0" smtClean="0">
                 <a:latin typeface="+mj-lt"/>
               </a:rPr>
-              <a:t>User can learn with many sections: fundamental, intermediate, review </a:t>
+              <a:t>User can learn with many sections: fundamental, intermediate, review JLPT</a:t>
             </a:r>
             <a:r>
               <a:rPr lang="vi-VN" cap="none" dirty="0" smtClean="0">
                 <a:latin typeface="+mj-lt"/>
               </a:rPr>
-              <a:t>JLPT,reading</a:t>
+              <a:t>, reading</a:t>
             </a:r>
             <a:r>
               <a:rPr lang="vi-VN" cap="none" dirty="0" smtClean="0">
@@ -21181,8 +21192,19 @@
               <a:rPr lang="vi-VN" cap="none" dirty="0" smtClean="0">
                 <a:latin typeface="+mj-lt"/>
               </a:rPr>
-              <a:t>conservation</a:t>
+              <a:t>listening, conservation</a:t>
             </a:r>
+          </a:p>
+          <a:p>
+            <a:r>
+              <a:rPr lang="vi-VN" cap="none" dirty="0" smtClean="0">
+                <a:latin typeface="+mj-lt"/>
+              </a:rPr>
+              <a:t>User can contribute database or opinion</a:t>
+            </a:r>
+            <a:endParaRPr lang="vi-VN" cap="none" dirty="0" smtClean="0">
+              <a:latin typeface="+mj-lt"/>
+            </a:endParaRPr>
           </a:p>
         </p:txBody>
       </p:sp>
@@ -21779,6 +21801,121 @@
                       </p:childTnLst>
                     </p:cTn>
                   </p:par>
+                  <p:par>
+                    <p:cTn id="36" fill="hold">
+                      <p:stCondLst>
+                        <p:cond delay="indefinite"/>
+                      </p:stCondLst>
+                      <p:childTnLst>
+                        <p:par>
+                          <p:cTn id="37" fill="hold">
+                            <p:stCondLst>
+                              <p:cond delay="0"/>
+                            </p:stCondLst>
+                            <p:childTnLst>
+                              <p:par>
+                                <p:cTn id="38" presetID="42" presetClass="entr" presetSubtype="0" fill="hold" grpId="0" nodeType="clickEffect">
+                                  <p:stCondLst>
+                                    <p:cond delay="0"/>
+                                  </p:stCondLst>
+                                  <p:childTnLst>
+                                    <p:set>
+                                      <p:cBhvr>
+                                        <p:cTn id="39" dur="1" fill="hold">
+                                          <p:stCondLst>
+                                            <p:cond delay="0"/>
+                                          </p:stCondLst>
+                                        </p:cTn>
+                                        <p:tgtEl>
+                                          <p:spTgt spid="3">
+                                            <p:txEl>
+                                              <p:pRg st="4" end="4"/>
+                                            </p:txEl>
+                                          </p:spTgt>
+                                        </p:tgtEl>
+                                        <p:attrNameLst>
+                                          <p:attrName>style.visibility</p:attrName>
+                                        </p:attrNameLst>
+                                      </p:cBhvr>
+                                      <p:to>
+                                        <p:strVal val="visible"/>
+                                      </p:to>
+                                    </p:set>
+                                    <p:animEffect transition="in" filter="fade">
+                                      <p:cBhvr>
+                                        <p:cTn id="40" dur="1000"/>
+                                        <p:tgtEl>
+                                          <p:spTgt spid="3">
+                                            <p:txEl>
+                                              <p:pRg st="4" end="4"/>
+                                            </p:txEl>
+                                          </p:spTgt>
+                                        </p:tgtEl>
+                                      </p:cBhvr>
+                                    </p:animEffect>
+                                    <p:anim calcmode="lin" valueType="num">
+                                      <p:cBhvr>
+                                        <p:cTn id="41" dur="1000" fill="hold"/>
+                                        <p:tgtEl>
+                                          <p:spTgt spid="3">
+                                            <p:txEl>
+                                              <p:pRg st="4" end="4"/>
+                                            </p:txEl>
+                                          </p:spTgt>
+                                        </p:tgtEl>
+                                        <p:attrNameLst>
+                                          <p:attrName>ppt_x</p:attrName>
+                                        </p:attrNameLst>
+                                      </p:cBhvr>
+                                      <p:tavLst>
+                                        <p:tav tm="0">
+                                          <p:val>
+                                            <p:strVal val="#ppt_x"/>
+                                          </p:val>
+                                        </p:tav>
+                                        <p:tav tm="100000">
+                                          <p:val>
+                                            <p:strVal val="#ppt_x"/>
+                                          </p:val>
+                                        </p:tav>
+                                      </p:tavLst>
+                                    </p:anim>
+                                    <p:anim calcmode="lin" valueType="num">
+                                      <p:cBhvr>
+                                        <p:cTn id="42" dur="1000" fill="hold"/>
+                                        <p:tgtEl>
+                                          <p:spTgt spid="3">
+                                            <p:txEl>
+                                              <p:pRg st="4" end="4"/>
+                                            </p:txEl>
+                                          </p:spTgt>
+                                        </p:tgtEl>
+                                        <p:attrNameLst>
+                                          <p:attrName>ppt_y</p:attrName>
+                                        </p:attrNameLst>
+                                      </p:cBhvr>
+                                      <p:tavLst>
+                                        <p:tav tm="0">
+                                          <p:val>
+                                            <p:strVal val="#ppt_y+.1"/>
+                                          </p:val>
+                                        </p:tav>
+                                        <p:tav tm="100000">
+                                          <p:val>
+                                            <p:strVal val="#ppt_y"/>
+                                          </p:val>
+                                        </p:tav>
+                                      </p:tavLst>
+                                    </p:anim>
+                                  </p:childTnLst>
+                                </p:cTn>
+                              </p:par>
+                            </p:childTnLst>
+                          </p:cTn>
+                        </p:par>
+                      </p:childTnLst>
+                    </p:cTn>
+                  </p:par>
                 </p:childTnLst>
               </p:cTn>
               <p:prevCondLst>
@@ -21849,10 +21986,26 @@
               <a:rPr lang="vi-VN" cap="none" dirty="0" smtClean="0">
                 <a:latin typeface="+mj-lt"/>
               </a:rPr>
-              <a:t>If user is guest, they can register then doing test and tracking mark in manage account</a:t>
+              <a:t>If user is guest, they can register then doing </a:t>
             </a:r>
-          </a:p>
-          <a:p>
+            <a:r>
+              <a:rPr lang="vi-VN" cap="none" dirty="0" smtClean="0">
+                <a:latin typeface="+mj-lt"/>
+              </a:rPr>
+              <a:t>test and tracking </a:t>
+            </a:r>
+            <a:r>
+              <a:rPr lang="vi-VN" cap="none" dirty="0" smtClean="0">
+                <a:latin typeface="+mj-lt"/>
+              </a:rPr>
+              <a:t>mark in manage </a:t>
+            </a:r>
+            <a:r>
+              <a:rPr lang="vi-VN" cap="none" dirty="0" smtClean="0">
+                <a:latin typeface="+mj-lt"/>
+              </a:rPr>
+              <a:t>account</a:t>
+            </a:r>
             <a:endParaRPr lang="vi-VN" dirty="0">
               <a:latin typeface="+mj-lt"/>
             </a:endParaRPr>
@@ -22229,360 +22382,6 @@
           <a:chExt cx="0" cy="0"/>
         </a:xfrm>
       </p:grpSpPr>
-      <p:pic>
-        <p:nvPicPr>
-          <p:cNvPr id="4" name="Picture 3"/>
-          <p:cNvPicPr>
-            <a:picLocks noChangeAspect="1"/>
-          </p:cNvPicPr>
-          <p:nvPr/>
-        </p:nvPicPr>
-        <p:blipFill>
-          <a:blip r:embed="rId2"/>
-          <a:stretch>
-            <a:fillRect/>
-          </a:stretch>
-        </p:blipFill>
-        <p:spPr>
-          <a:xfrm>
-            <a:off x="5885645" y="2367092"/>
-            <a:ext cx="5392581" cy="3608705"/>
-          </a:xfrm>
-          <a:prstGeom prst="rect">
-            <a:avLst/>
-          </a:prstGeom>
-        </p:spPr>
-      </p:pic>
-      <p:sp>
-        <p:nvSpPr>
-          <p:cNvPr id="3" name="Content Placeholder 2"/>
-          <p:cNvSpPr>
-            <a:spLocks noGrp="1"/>
-          </p:cNvSpPr>
-          <p:nvPr>
-            <p:ph sz="quarter" idx="13"/>
-          </p:nvPr>
-        </p:nvSpPr>
-        <p:spPr>
-          <a:xfrm>
-            <a:off x="913774" y="2367092"/>
-            <a:ext cx="4971871" cy="3424107"/>
-          </a:xfrm>
-        </p:spPr>
-        <p:txBody>
-          <a:bodyPr/>
-          <a:lstStyle/>
-          <a:p>
-            <a:r>
-              <a:rPr lang="vi-VN" cap="none" dirty="0">
-                <a:latin typeface="+mj-lt"/>
-              </a:rPr>
-              <a:t>If user is member, they can log in then they can contribute data or </a:t>
-            </a:r>
-            <a:r>
-              <a:rPr lang="vi-VN" cap="none" dirty="0" smtClean="0">
-                <a:latin typeface="+mj-lt"/>
-              </a:rPr>
-              <a:t>opinion</a:t>
-            </a:r>
-            <a:endParaRPr lang="vi-VN" dirty="0">
-              <a:latin typeface="+mj-lt"/>
-            </a:endParaRPr>
-          </a:p>
-        </p:txBody>
-      </p:sp>
-      <p:sp>
-        <p:nvSpPr>
-          <p:cNvPr id="5" name="Title 1"/>
-          <p:cNvSpPr>
-            <a:spLocks noGrp="1"/>
-          </p:cNvSpPr>
-          <p:nvPr>
-            <p:ph type="title"/>
-          </p:nvPr>
-        </p:nvSpPr>
-        <p:spPr>
-          <a:xfrm>
-            <a:off x="913775" y="618517"/>
-            <a:ext cx="10364451" cy="1596177"/>
-          </a:xfrm>
-        </p:spPr>
-        <p:txBody>
-          <a:bodyPr/>
-          <a:lstStyle/>
-          <a:p>
-            <a:pPr lvl="0"/>
-            <a:r>
-              <a:rPr lang="vi-VN" sz="5400" cap="none" dirty="0" smtClean="0">
-                <a:ln w="0"/>
-                <a:gradFill>
-                  <a:gsLst>
-                    <a:gs pos="0">
-                      <a:schemeClr val="accent5">
-                        <a:lumMod val="50000"/>
-                      </a:schemeClr>
-                    </a:gs>
-                    <a:gs pos="50000">
-                      <a:schemeClr val="accent5"/>
-                    </a:gs>
-                    <a:gs pos="100000">
-                      <a:schemeClr val="accent5">
-                        <a:lumMod val="60000"/>
-                        <a:lumOff val="40000"/>
-                      </a:schemeClr>
-                    </a:gs>
-                  </a:gsLst>
-                  <a:lin ang="5400000"/>
-                </a:gradFill>
-                <a:effectLst>
-                  <a:reflection blurRad="6350" stA="53000" endA="300" endPos="35500" dir="5400000" sy="-90000" algn="bl" rotWithShape="0"/>
-                </a:effectLst>
-                <a:latin typeface="Times New Roman" pitchFamily="18" charset="0"/>
-                <a:cs typeface="Times New Roman" pitchFamily="18" charset="0"/>
-              </a:rPr>
-              <a:t>Functional Requirements</a:t>
-            </a:r>
-            <a:r>
-              <a:rPr lang="vi-VN" dirty="0"/>
-              <a:t/>
-            </a:r>
-            <a:br>
-              <a:rPr lang="vi-VN" dirty="0"/>
-            </a:br>
-            <a:endParaRPr lang="vi-VN" dirty="0"/>
-          </a:p>
-        </p:txBody>
-      </p:sp>
-    </p:spTree>
-    <p:extLst>
-      <p:ext uri="{BB962C8B-B14F-4D97-AF65-F5344CB8AC3E}">
-        <p14:creationId xmlns:p14="http://schemas.microsoft.com/office/powerpoint/2010/main" val="2295900376"/>
-      </p:ext>
-    </p:extLst>
-  </p:cSld>
-  <p:clrMapOvr>
-    <a:masterClrMapping/>
-  </p:clrMapOvr>
-  <p:timing>
-    <p:tnLst>
-      <p:par>
-        <p:cTn id="1" dur="indefinite" restart="never" nodeType="tmRoot">
-          <p:childTnLst>
-            <p:seq concurrent="1" nextAc="seek">
-              <p:cTn id="2" dur="indefinite" nodeType="mainSeq">
-                <p:childTnLst>
-                  <p:par>
-                    <p:cTn id="3" fill="hold">
-                      <p:stCondLst>
-                        <p:cond delay="indefinite"/>
-                      </p:stCondLst>
-                      <p:childTnLst>
-                        <p:par>
-                          <p:cTn id="4" fill="hold">
-                            <p:stCondLst>
-                              <p:cond delay="0"/>
-                            </p:stCondLst>
-                            <p:childTnLst>
-                              <p:par>
-                                <p:cTn id="5" presetID="16" presetClass="entr" presetSubtype="21" fill="hold" grpId="0" nodeType="clickEffect">
-                                  <p:stCondLst>
-                                    <p:cond delay="0"/>
-                                  </p:stCondLst>
-                                  <p:childTnLst>
-                                    <p:set>
-                                      <p:cBhvr>
-                                        <p:cTn id="6" dur="1" fill="hold">
-                                          <p:stCondLst>
-                                            <p:cond delay="0"/>
-                                          </p:stCondLst>
-                                        </p:cTn>
-                                        <p:tgtEl>
-                                          <p:spTgt spid="5"/>
-                                        </p:tgtEl>
-                                        <p:attrNameLst>
-                                          <p:attrName>style.visibility</p:attrName>
-                                        </p:attrNameLst>
-                                      </p:cBhvr>
-                                      <p:to>
-                                        <p:strVal val="visible"/>
-                                      </p:to>
-                                    </p:set>
-                                    <p:animEffect transition="in" filter="barn(inVertical)">
-                                      <p:cBhvr>
-                                        <p:cTn id="7" dur="500"/>
-                                        <p:tgtEl>
-                                          <p:spTgt spid="5"/>
-                                        </p:tgtEl>
-                                      </p:cBhvr>
-                                    </p:animEffect>
-                                  </p:childTnLst>
-                                </p:cTn>
-                              </p:par>
-                            </p:childTnLst>
-                          </p:cTn>
-                        </p:par>
-                      </p:childTnLst>
-                    </p:cTn>
-                  </p:par>
-                  <p:par>
-                    <p:cTn id="8" fill="hold">
-                      <p:stCondLst>
-                        <p:cond delay="indefinite"/>
-                      </p:stCondLst>
-                      <p:childTnLst>
-                        <p:par>
-                          <p:cTn id="9" fill="hold">
-                            <p:stCondLst>
-                              <p:cond delay="0"/>
-                            </p:stCondLst>
-                            <p:childTnLst>
-                              <p:par>
-                                <p:cTn id="10" presetID="10" presetClass="entr" presetSubtype="0" fill="hold" nodeType="clickEffect">
-                                  <p:stCondLst>
-                                    <p:cond delay="0"/>
-                                  </p:stCondLst>
-                                  <p:childTnLst>
-                                    <p:set>
-                                      <p:cBhvr>
-                                        <p:cTn id="11" dur="1" fill="hold">
-                                          <p:stCondLst>
-                                            <p:cond delay="0"/>
-                                          </p:stCondLst>
-                                        </p:cTn>
-                                        <p:tgtEl>
-                                          <p:spTgt spid="3">
-                                            <p:txEl>
-                                              <p:pRg st="0" end="0"/>
-                                            </p:txEl>
-                                          </p:spTgt>
-                                        </p:tgtEl>
-                                        <p:attrNameLst>
-                                          <p:attrName>style.visibility</p:attrName>
-                                        </p:attrNameLst>
-                                      </p:cBhvr>
-                                      <p:to>
-                                        <p:strVal val="visible"/>
-                                      </p:to>
-                                    </p:set>
-                                    <p:animEffect transition="in" filter="fade">
-                                      <p:cBhvr>
-                                        <p:cTn id="12" dur="500"/>
-                                        <p:tgtEl>
-                                          <p:spTgt spid="3">
-                                            <p:txEl>
-                                              <p:pRg st="0" end="0"/>
-                                            </p:txEl>
-                                          </p:spTgt>
-                                        </p:tgtEl>
-                                      </p:cBhvr>
-                                    </p:animEffect>
-                                  </p:childTnLst>
-                                </p:cTn>
-                              </p:par>
-                            </p:childTnLst>
-                          </p:cTn>
-                        </p:par>
-                      </p:childTnLst>
-                    </p:cTn>
-                  </p:par>
-                  <p:par>
-                    <p:cTn id="13" fill="hold">
-                      <p:stCondLst>
-                        <p:cond delay="indefinite"/>
-                      </p:stCondLst>
-                      <p:childTnLst>
-                        <p:par>
-                          <p:cTn id="14" fill="hold">
-                            <p:stCondLst>
-                              <p:cond delay="0"/>
-                            </p:stCondLst>
-                            <p:childTnLst>
-                              <p:par>
-                                <p:cTn id="15" presetID="6" presetClass="entr" presetSubtype="16" fill="hold" nodeType="clickEffect">
-                                  <p:stCondLst>
-                                    <p:cond delay="0"/>
-                                  </p:stCondLst>
-                                  <p:childTnLst>
-                                    <p:set>
-                                      <p:cBhvr>
-                                        <p:cTn id="16" dur="1" fill="hold">
-                                          <p:stCondLst>
-                                            <p:cond delay="0"/>
-                                          </p:stCondLst>
-                                        </p:cTn>
-                                        <p:tgtEl>
-                                          <p:spTgt spid="4"/>
-                                        </p:tgtEl>
-                                        <p:attrNameLst>
-                                          <p:attrName>style.visibility</p:attrName>
-                                        </p:attrNameLst>
-                                      </p:cBhvr>
-                                      <p:to>
-                                        <p:strVal val="visible"/>
-                                      </p:to>
-                                    </p:set>
-                                    <p:animEffect transition="in" filter="circle(in)">
-                                      <p:cBhvr>
-                                        <p:cTn id="17" dur="2000"/>
-                                        <p:tgtEl>
-                                          <p:spTgt spid="4"/>
-                                        </p:tgtEl>
-                                      </p:cBhvr>
-                                    </p:animEffect>
-                                  </p:childTnLst>
-                                </p:cTn>
-                              </p:par>
-                            </p:childTnLst>
-                          </p:cTn>
-                        </p:par>
-                      </p:childTnLst>
-                    </p:cTn>
-                  </p:par>
-                </p:childTnLst>
-              </p:cTn>
-              <p:prevCondLst>
-                <p:cond evt="onPrev" delay="0">
-                  <p:tgtEl>
-                    <p:sldTgt/>
-                  </p:tgtEl>
-                </p:cond>
-              </p:prevCondLst>
-              <p:nextCondLst>
-                <p:cond evt="onNext" delay="0">
-                  <p:tgtEl>
-                    <p:sldTgt/>
-                  </p:tgtEl>
-                </p:cond>
-              </p:nextCondLst>
-            </p:seq>
-          </p:childTnLst>
-        </p:cTn>
-      </p:par>
-    </p:tnLst>
-    <p:bldLst>
-      <p:bldP spid="5" grpId="0"/>
-    </p:bldLst>
-  </p:timing>
-</p:sld>
-</file>
-
-<file path=ppt/slides/slide13.xml><?xml version="1.0" encoding="utf-8"?>
-<p:sld xmlns:a="http://schemas.openxmlformats.org/drawingml/2006/main" xmlns:r="http://schemas.openxmlformats.org/officeDocument/2006/relationships" xmlns:p="http://schemas.openxmlformats.org/presentationml/2006/main">
-  <p:cSld>
-    <p:spTree>
-      <p:nvGrpSpPr>
-        <p:cNvPr id="1" name=""/>
-        <p:cNvGrpSpPr/>
-        <p:nvPr/>
-      </p:nvGrpSpPr>
-      <p:grpSpPr>
-        <a:xfrm>
-          <a:off x="0" y="0"/>
-          <a:ext cx="0" cy="0"/>
-          <a:chOff x="0" y="0"/>
-          <a:chExt cx="0" cy="0"/>
-        </a:xfrm>
-      </p:grpSpPr>
       <p:sp>
         <p:nvSpPr>
           <p:cNvPr id="3" name="Content Placeholder 2"/>
@@ -22603,8 +22402,33 @@
                 <a:latin typeface="Times New Roman" panose="02020603050405020304" pitchFamily="18" charset="0"/>
                 <a:cs typeface="Times New Roman" panose="02020603050405020304" pitchFamily="18" charset="0"/>
               </a:rPr>
-              <a:t>Admin can manage account: edit, ban, delete member</a:t>
+              <a:t>Admin can manage account: edit, </a:t>
             </a:r>
+            <a:r>
+              <a:rPr lang="en-US" cap="none" dirty="0" smtClean="0">
+                <a:latin typeface="Times New Roman" panose="02020603050405020304" pitchFamily="18" charset="0"/>
+                <a:cs typeface="Times New Roman" panose="02020603050405020304" pitchFamily="18" charset="0"/>
+              </a:rPr>
+              <a:t>ban, unban, </a:t>
+            </a:r>
+            <a:r>
+              <a:rPr lang="en-US" cap="none" dirty="0" smtClean="0">
+                <a:latin typeface="Times New Roman" panose="02020603050405020304" pitchFamily="18" charset="0"/>
+                <a:cs typeface="Times New Roman" panose="02020603050405020304" pitchFamily="18" charset="0"/>
+              </a:rPr>
+              <a:t>delete </a:t>
+            </a:r>
+            <a:r>
+              <a:rPr lang="en-US" cap="none" dirty="0" smtClean="0">
+                <a:latin typeface="Times New Roman" panose="02020603050405020304" pitchFamily="18" charset="0"/>
+                <a:cs typeface="Times New Roman" panose="02020603050405020304" pitchFamily="18" charset="0"/>
+              </a:rPr>
+              <a:t>member</a:t>
+            </a:r>
+            <a:endParaRPr lang="en-US" cap="none" dirty="0" smtClean="0">
+              <a:latin typeface="Times New Roman" panose="02020603050405020304" pitchFamily="18" charset="0"/>
+              <a:cs typeface="Times New Roman" panose="02020603050405020304" pitchFamily="18" charset="0"/>
+            </a:endParaRPr>
           </a:p>
           <a:p>
             <a:r>
@@ -23137,7 +22961,7 @@
 </p:sld>
 </file>
 
-<file path=ppt/slides/slide14.xml><?xml version="1.0" encoding="utf-8"?>
+<file path=ppt/slides/slide13.xml><?xml version="1.0" encoding="utf-8"?>
 <p:sld xmlns:a="http://schemas.openxmlformats.org/drawingml/2006/main" xmlns:r="http://schemas.openxmlformats.org/officeDocument/2006/relationships" xmlns:p="http://schemas.openxmlformats.org/presentationml/2006/main">
   <p:cSld>
     <p:spTree>
@@ -23154,35 +22978,6 @@
           <a:chExt cx="0" cy="0"/>
         </a:xfrm>
       </p:grpSpPr>
-      <p:pic>
-        <p:nvPicPr>
-          <p:cNvPr id="2" name="Content Placeholder 1"/>
-          <p:cNvPicPr>
-            <a:picLocks noGrp="1" noChangeAspect="1"/>
-          </p:cNvPicPr>
-          <p:nvPr>
-            <p:ph sz="quarter" idx="13"/>
-          </p:nvPr>
-        </p:nvPicPr>
-        <p:blipFill>
-          <a:blip r:embed="rId2">
-            <a:extLst>
-              <a:ext uri="{28A0092B-C50C-407E-A947-70E740481C1C}">
-                <a14:useLocalDpi xmlns:a14="http://schemas.microsoft.com/office/drawing/2010/main" val="0"/>
-              </a:ext>
-            </a:extLst>
-          </a:blip>
-          <a:stretch>
-            <a:fillRect/>
-          </a:stretch>
-        </p:blipFill>
-        <p:spPr>
-          <a:xfrm>
-            <a:off x="1030310" y="1893194"/>
-            <a:ext cx="10109915" cy="4726546"/>
-          </a:xfrm>
-        </p:spPr>
-      </p:pic>
       <p:sp>
         <p:nvSpPr>
           <p:cNvPr id="4" name="Title 1"/>
@@ -23245,6 +23040,35 @@
           </a:p>
         </p:txBody>
       </p:sp>
+      <p:pic>
+        <p:nvPicPr>
+          <p:cNvPr id="5" name="Content Placeholder 4"/>
+          <p:cNvPicPr>
+            <a:picLocks noGrp="1" noChangeAspect="1"/>
+          </p:cNvPicPr>
+          <p:nvPr>
+            <p:ph sz="quarter" idx="13"/>
+          </p:nvPr>
+        </p:nvPicPr>
+        <p:blipFill>
+          <a:blip r:embed="rId2">
+            <a:extLst>
+              <a:ext uri="{28A0092B-C50C-407E-A947-70E740481C1C}">
+                <a14:useLocalDpi xmlns:a14="http://schemas.microsoft.com/office/drawing/2010/main" val="0"/>
+              </a:ext>
+            </a:extLst>
+          </a:blip>
+          <a:stretch>
+            <a:fillRect/>
+          </a:stretch>
+        </p:blipFill>
+        <p:spPr>
+          <a:xfrm>
+            <a:off x="1609860" y="1635617"/>
+            <a:ext cx="8937938" cy="5048518"/>
+          </a:xfrm>
+        </p:spPr>
+      </p:pic>
     </p:spTree>
     <p:extLst>
       <p:ext uri="{BB962C8B-B14F-4D97-AF65-F5344CB8AC3E}">
@@ -23316,105 +23140,6 @@
                       </p:childTnLst>
                     </p:cTn>
                   </p:par>
-                  <p:par>
-                    <p:cTn id="8" fill="hold">
-                      <p:stCondLst>
-                        <p:cond delay="indefinite"/>
-                      </p:stCondLst>
-                      <p:childTnLst>
-                        <p:par>
-                          <p:cTn id="9" fill="hold">
-                            <p:stCondLst>
-                              <p:cond delay="0"/>
-                            </p:stCondLst>
-                            <p:childTnLst>
-                              <p:par>
-                                <p:cTn id="10" presetID="53" presetClass="entr" presetSubtype="16" fill="hold" nodeType="clickEffect">
-                                  <p:stCondLst>
-                                    <p:cond delay="0"/>
-                                  </p:stCondLst>
-                                  <p:childTnLst>
-                                    <p:set>
-                                      <p:cBhvr>
-                                        <p:cTn id="11" dur="1" fill="hold">
-                                          <p:stCondLst>
-                                            <p:cond delay="0"/>
-                                          </p:stCondLst>
-                                        </p:cTn>
-                                        <p:tgtEl>
-                                          <p:spTgt spid="2"/>
-                                        </p:tgtEl>
-                                        <p:attrNameLst>
-                                          <p:attrName>style.visibility</p:attrName>
-                                        </p:attrNameLst>
-                                      </p:cBhvr>
-                                      <p:to>
-                                        <p:strVal val="visible"/>
-                                      </p:to>
-                                    </p:set>
-                                    <p:anim calcmode="lin" valueType="num">
-                                      <p:cBhvr>
-                                        <p:cTn id="12" dur="500" fill="hold"/>
-                                        <p:tgtEl>
-                                          <p:spTgt spid="2"/>
-                                        </p:tgtEl>
-                                        <p:attrNameLst>
-                                          <p:attrName>ppt_w</p:attrName>
-                                        </p:attrNameLst>
-                                      </p:cBhvr>
-                                      <p:tavLst>
-                                        <p:tav tm="0">
-                                          <p:val>
-                                            <p:fltVal val="0"/>
-                                          </p:val>
-                                        </p:tav>
-                                        <p:tav tm="100000">
-                                          <p:val>
-                                            <p:strVal val="#ppt_w"/>
-                                          </p:val>
-                                        </p:tav>
-                                      </p:tavLst>
-                                    </p:anim>
-                                    <p:anim calcmode="lin" valueType="num">
-                                      <p:cBhvr>
-                                        <p:cTn id="13" dur="500" fill="hold"/>
-                                        <p:tgtEl>
-                                          <p:spTgt spid="2"/>
-                                        </p:tgtEl>
-                                        <p:attrNameLst>
-                                          <p:attrName>ppt_h</p:attrName>
-                                        </p:attrNameLst>
-                                      </p:cBhvr>
-                                      <p:tavLst>
-                                        <p:tav tm="0">
-                                          <p:val>
-                                            <p:fltVal val="0"/>
-                                          </p:val>
-                                        </p:tav>
-                                        <p:tav tm="100000">
-                                          <p:val>
-                                            <p:strVal val="#ppt_h"/>
-                                          </p:val>
-                                        </p:tav>
-                                      </p:tavLst>
-                                    </p:anim>
-                                    <p:animEffect transition="in" filter="fade">
-                                      <p:cBhvr>
-                                        <p:cTn id="14" dur="500"/>
-                                        <p:tgtEl>
-                                          <p:spTgt spid="2"/>
-                                        </p:tgtEl>
-                                      </p:cBhvr>
-                                    </p:animEffect>
-                                  </p:childTnLst>
-                                </p:cTn>
-                              </p:par>
-                            </p:childTnLst>
-                          </p:cTn>
-                        </p:par>
-                      </p:childTnLst>
-                    </p:cTn>
-                  </p:par>
                 </p:childTnLst>
               </p:cTn>
               <p:prevCondLst>
@@ -23443,7 +23168,7 @@
 </p:sld>
 </file>
 
-<file path=ppt/slides/slide15.xml><?xml version="1.0" encoding="utf-8"?>
+<file path=ppt/slides/slide14.xml><?xml version="1.0" encoding="utf-8"?>
 <p:sld xmlns:a="http://schemas.openxmlformats.org/drawingml/2006/main" xmlns:r="http://schemas.openxmlformats.org/officeDocument/2006/relationships" xmlns:p="http://schemas.openxmlformats.org/presentationml/2006/main">
   <p:cSld>
     <p:spTree>
@@ -23460,35 +23185,6 @@
           <a:chExt cx="0" cy="0"/>
         </a:xfrm>
       </p:grpSpPr>
-      <p:pic>
-        <p:nvPicPr>
-          <p:cNvPr id="5" name="Content Placeholder 4"/>
-          <p:cNvPicPr>
-            <a:picLocks noGrp="1" noChangeAspect="1"/>
-          </p:cNvPicPr>
-          <p:nvPr>
-            <p:ph sz="quarter" idx="13"/>
-          </p:nvPr>
-        </p:nvPicPr>
-        <p:blipFill>
-          <a:blip r:embed="rId2">
-            <a:extLst>
-              <a:ext uri="{28A0092B-C50C-407E-A947-70E740481C1C}">
-                <a14:useLocalDpi xmlns:a14="http://schemas.microsoft.com/office/drawing/2010/main" val="0"/>
-              </a:ext>
-            </a:extLst>
-          </a:blip>
-          <a:stretch>
-            <a:fillRect/>
-          </a:stretch>
-        </p:blipFill>
-        <p:spPr>
-          <a:xfrm>
-            <a:off x="2034862" y="1764407"/>
-            <a:ext cx="8332631" cy="4803818"/>
-          </a:xfrm>
-        </p:spPr>
-      </p:pic>
       <p:sp>
         <p:nvSpPr>
           <p:cNvPr id="4" name="Title 1"/>
@@ -23551,6 +23247,35 @@
           </a:p>
         </p:txBody>
       </p:sp>
+      <p:pic>
+        <p:nvPicPr>
+          <p:cNvPr id="3" name="Content Placeholder 2"/>
+          <p:cNvPicPr>
+            <a:picLocks noGrp="1" noChangeAspect="1"/>
+          </p:cNvPicPr>
+          <p:nvPr>
+            <p:ph sz="quarter" idx="13"/>
+          </p:nvPr>
+        </p:nvPicPr>
+        <p:blipFill>
+          <a:blip r:embed="rId2">
+            <a:extLst>
+              <a:ext uri="{28A0092B-C50C-407E-A947-70E740481C1C}">
+                <a14:useLocalDpi xmlns:a14="http://schemas.microsoft.com/office/drawing/2010/main" val="0"/>
+              </a:ext>
+            </a:extLst>
+          </a:blip>
+          <a:stretch>
+            <a:fillRect/>
+          </a:stretch>
+        </p:blipFill>
+        <p:spPr>
+          <a:xfrm>
+            <a:off x="1970468" y="1751527"/>
+            <a:ext cx="7650049" cy="4816698"/>
+          </a:xfrm>
+        </p:spPr>
+      </p:pic>
     </p:spTree>
     <p:extLst>
       <p:ext uri="{BB962C8B-B14F-4D97-AF65-F5344CB8AC3E}">
@@ -23622,59 +23347,6 @@
                       </p:childTnLst>
                     </p:cTn>
                   </p:par>
-                  <p:par>
-                    <p:cTn id="8" fill="hold">
-                      <p:stCondLst>
-                        <p:cond delay="indefinite"/>
-                      </p:stCondLst>
-                      <p:childTnLst>
-                        <p:par>
-                          <p:cTn id="9" fill="hold">
-                            <p:stCondLst>
-                              <p:cond delay="0"/>
-                            </p:stCondLst>
-                            <p:childTnLst>
-                              <p:par>
-                                <p:cTn id="10" presetID="14" presetClass="entr" presetSubtype="10" fill="hold" nodeType="clickEffect">
-                                  <p:stCondLst>
-                                    <p:cond delay="0"/>
-                                  </p:stCondLst>
-                                  <p:childTnLst>
-                                    <p:set>
-                                      <p:cBhvr>
-                                        <p:cTn id="11" dur="1" fill="hold">
-                                          <p:stCondLst>
-                                            <p:cond delay="0"/>
-                                          </p:stCondLst>
-                                        </p:cTn>
-                                        <p:tgtEl>
-                                          <p:spTgt spid="5"/>
-                                        </p:tgtEl>
-                                        <p:attrNameLst>
-                                          <p:attrName>style.visibility</p:attrName>
-                                        </p:attrNameLst>
-                                      </p:cBhvr>
-                                      <p:to>
-                                        <p:strVal val="visible"/>
-                                      </p:to>
-                                    </p:set>
-                                    <p:animEffect transition="in" filter="randombar(horizontal)">
-                                      <p:cBhvr>
-                                        <p:cTn id="12" dur="500"/>
-                                        <p:tgtEl>
-                                          <p:spTgt spid="5"/>
-                                        </p:tgtEl>
-                                      </p:cBhvr>
-                                    </p:animEffect>
-                                  </p:childTnLst>
-                                </p:cTn>
-                              </p:par>
-                            </p:childTnLst>
-                          </p:cTn>
-                        </p:par>
-                      </p:childTnLst>
-                    </p:cTn>
-                  </p:par>
                 </p:childTnLst>
               </p:cTn>
               <p:prevCondLst>
@@ -23703,7 +23375,7 @@
 </p:sld>
 </file>
 
-<file path=ppt/slides/slide16.xml><?xml version="1.0" encoding="utf-8"?>
+<file path=ppt/slides/slide15.xml><?xml version="1.0" encoding="utf-8"?>
 <p:sld xmlns:a="http://schemas.openxmlformats.org/drawingml/2006/main" xmlns:r="http://schemas.openxmlformats.org/officeDocument/2006/relationships" xmlns:p="http://schemas.openxmlformats.org/presentationml/2006/main">
   <p:cSld>
     <p:spTree>
@@ -23763,10 +23435,6 @@
               </a:rPr>
               <a:t>Availability: hours of operation </a:t>
             </a:r>
-            <a:endParaRPr lang="en-US" sz="2000" cap="none" dirty="0" smtClean="0">
-              <a:latin typeface="Times New Roman" panose="02020603050405020304" pitchFamily="18" charset="0"/>
-              <a:cs typeface="Times New Roman" panose="02020603050405020304" pitchFamily="18" charset="0"/>
-            </a:endParaRPr>
           </a:p>
           <a:p>
             <a:pPr lvl="1">
@@ -23779,14 +23447,7 @@
                 <a:latin typeface="Times New Roman" panose="02020603050405020304" pitchFamily="18" charset="0"/>
                 <a:cs typeface="Times New Roman" panose="02020603050405020304" pitchFamily="18" charset="0"/>
               </a:rPr>
-              <a:t>Maintainability</a:t>
-            </a:r>
-            <a:r>
-              <a:rPr lang="en-US" sz="2000" cap="none" dirty="0" smtClean="0">
-                <a:latin typeface="Times New Roman" panose="02020603050405020304" pitchFamily="18" charset="0"/>
-                <a:cs typeface="Times New Roman" panose="02020603050405020304" pitchFamily="18" charset="0"/>
-              </a:rPr>
-              <a:t>: architectural standards, coding standards.</a:t>
+              <a:t>Maintainability: architectural standards, coding standards.</a:t>
             </a:r>
           </a:p>
           <a:p>
@@ -24631,7 +24292,7 @@
 </p:sld>
 </file>
 
-<file path=ppt/slides/slide17.xml><?xml version="1.0" encoding="utf-8"?>
+<file path=ppt/slides/slide16.xml><?xml version="1.0" encoding="utf-8"?>
 <p:sld xmlns:a="http://schemas.openxmlformats.org/drawingml/2006/main" xmlns:r="http://schemas.openxmlformats.org/officeDocument/2006/relationships" xmlns:p="http://schemas.openxmlformats.org/presentationml/2006/main">
   <p:cSld>
     <p:spTree>
@@ -24722,21 +24383,7 @@
                 <a:latin typeface="Times New Roman" panose="02020603050405020304" pitchFamily="18" charset="0"/>
                 <a:cs typeface="Times New Roman" panose="02020603050405020304" pitchFamily="18" charset="0"/>
               </a:rPr>
-              <a:t>Manage account: change password, </a:t>
-            </a:r>
-            <a:r>
-              <a:rPr lang="en-US" cap="none" dirty="0" smtClean="0">
-                <a:latin typeface="Times New Roman" panose="02020603050405020304" pitchFamily="18" charset="0"/>
-                <a:cs typeface="Times New Roman" panose="02020603050405020304" pitchFamily="18" charset="0"/>
-              </a:rPr>
-              <a:t>forget password</a:t>
-            </a:r>
-            <a:r>
-              <a:rPr lang="en-US" cap="none" dirty="0" smtClean="0">
-                <a:latin typeface="Times New Roman" panose="02020603050405020304" pitchFamily="18" charset="0"/>
-                <a:cs typeface="Times New Roman" panose="02020603050405020304" pitchFamily="18" charset="0"/>
-              </a:rPr>
-              <a:t>, tracking mark </a:t>
+              <a:t>Manage account: change password, forget password, tracking mark </a:t>
             </a:r>
           </a:p>
           <a:p>
@@ -24751,10 +24398,6 @@
               </a:rPr>
               <a:t>Doing test</a:t>
             </a:r>
-            <a:endParaRPr lang="en-US" cap="none" dirty="0" smtClean="0">
-              <a:latin typeface="Times New Roman" panose="02020603050405020304" pitchFamily="18" charset="0"/>
-              <a:cs typeface="Times New Roman" panose="02020603050405020304" pitchFamily="18" charset="0"/>
-            </a:endParaRPr>
           </a:p>
         </p:txBody>
       </p:sp>
@@ -25914,7 +25557,7 @@
 </p:sld>
 </file>
 
-<file path=ppt/slides/slide18.xml><?xml version="1.0" encoding="utf-8"?>
+<file path=ppt/slides/slide17.xml><?xml version="1.0" encoding="utf-8"?>
 <p:sld xmlns:a="http://schemas.openxmlformats.org/drawingml/2006/main" xmlns:r="http://schemas.openxmlformats.org/officeDocument/2006/relationships" xmlns:p="http://schemas.openxmlformats.org/presentationml/2006/main">
   <p:cSld>
     <p:spTree>
@@ -26700,7 +26343,7 @@
 </p:sld>
 </file>
 
-<file path=ppt/slides/slide19.xml><?xml version="1.0" encoding="utf-8"?>
+<file path=ppt/slides/slide18.xml><?xml version="1.0" encoding="utf-8"?>
 <p:sld xmlns:a="http://schemas.openxmlformats.org/drawingml/2006/main" xmlns:r="http://schemas.openxmlformats.org/officeDocument/2006/relationships" xmlns:p="http://schemas.openxmlformats.org/presentationml/2006/main">
   <p:cSld>
     <p:spTree>
@@ -26750,7 +26393,28 @@
                 <a:latin typeface="Times New Roman" panose="02020603050405020304" pitchFamily="18" charset="0"/>
                 <a:cs typeface="Times New Roman" panose="02020603050405020304" pitchFamily="18" charset="0"/>
               </a:rPr>
-              <a:t>Edit, ban, delete member</a:t>
+              <a:t>Edit, </a:t>
+            </a:r>
+            <a:r>
+              <a:rPr lang="en-US" cap="none" dirty="0" err="1" smtClean="0">
+                <a:latin typeface="Times New Roman" panose="02020603050405020304" pitchFamily="18" charset="0"/>
+                <a:cs typeface="Times New Roman" panose="02020603050405020304" pitchFamily="18" charset="0"/>
+              </a:rPr>
+              <a:t>ban,unban</a:t>
+            </a:r>
+            <a:r>
+              <a:rPr lang="en-US" cap="none" dirty="0" smtClean="0">
+                <a:latin typeface="Times New Roman" panose="02020603050405020304" pitchFamily="18" charset="0"/>
+                <a:cs typeface="Times New Roman" panose="02020603050405020304" pitchFamily="18" charset="0"/>
+              </a:rPr>
+              <a:t>, </a:t>
+            </a:r>
+            <a:r>
+              <a:rPr lang="en-US" cap="none" dirty="0" smtClean="0">
+                <a:latin typeface="Times New Roman" panose="02020603050405020304" pitchFamily="18" charset="0"/>
+                <a:cs typeface="Times New Roman" panose="02020603050405020304" pitchFamily="18" charset="0"/>
+              </a:rPr>
+              <a:t>delete member</a:t>
             </a:r>
           </a:p>
           <a:p>
@@ -27723,6 +27387,72 @@
 </p:sld>
 </file>
 
+<file path=ppt/slides/slide19.xml><?xml version="1.0" encoding="utf-8"?>
+<p:sld xmlns:a="http://schemas.openxmlformats.org/drawingml/2006/main" xmlns:r="http://schemas.openxmlformats.org/officeDocument/2006/relationships" xmlns:p="http://schemas.openxmlformats.org/presentationml/2006/main">
+  <p:cSld>
+    <p:spTree>
+      <p:nvGrpSpPr>
+        <p:cNvPr id="1" name=""/>
+        <p:cNvGrpSpPr/>
+        <p:nvPr/>
+      </p:nvGrpSpPr>
+      <p:grpSpPr>
+        <a:xfrm>
+          <a:off x="0" y="0"/>
+          <a:ext cx="0" cy="0"/>
+          <a:chOff x="0" y="0"/>
+          <a:chExt cx="0" cy="0"/>
+        </a:xfrm>
+      </p:grpSpPr>
+      <p:pic>
+        <p:nvPicPr>
+          <p:cNvPr id="4" name="Content Placeholder 3"/>
+          <p:cNvPicPr>
+            <a:picLocks noGrp="1" noChangeAspect="1"/>
+          </p:cNvPicPr>
+          <p:nvPr>
+            <p:ph sz="quarter" idx="13"/>
+          </p:nvPr>
+        </p:nvPicPr>
+        <p:blipFill>
+          <a:blip r:embed="rId2">
+            <a:extLst>
+              <a:ext uri="{28A0092B-C50C-407E-A947-70E740481C1C}">
+                <a14:useLocalDpi xmlns:a14="http://schemas.microsoft.com/office/drawing/2010/main" val="0"/>
+              </a:ext>
+            </a:extLst>
+          </a:blip>
+          <a:stretch>
+            <a:fillRect/>
+          </a:stretch>
+        </p:blipFill>
+        <p:spPr>
+          <a:xfrm>
+            <a:off x="1700012" y="759855"/>
+            <a:ext cx="9053848" cy="5422004"/>
+          </a:xfrm>
+        </p:spPr>
+      </p:pic>
+    </p:spTree>
+    <p:extLst>
+      <p:ext uri="{BB962C8B-B14F-4D97-AF65-F5344CB8AC3E}">
+        <p14:creationId xmlns:p14="http://schemas.microsoft.com/office/powerpoint/2010/main" val="2478781517"/>
+      </p:ext>
+    </p:extLst>
+  </p:cSld>
+  <p:clrMapOvr>
+    <a:masterClrMapping/>
+  </p:clrMapOvr>
+  <p:timing>
+    <p:tnLst>
+      <p:par>
+        <p:cTn id="1" dur="indefinite" restart="never" nodeType="tmRoot"/>
+      </p:par>
+    </p:tnLst>
+  </p:timing>
+</p:sld>
+</file>
+
 <file path=ppt/slides/slide2.xml><?xml version="1.0" encoding="utf-8"?>
 <p:sld xmlns:a="http://schemas.openxmlformats.org/drawingml/2006/main" xmlns:r="http://schemas.openxmlformats.org/officeDocument/2006/relationships" xmlns:p="http://schemas.openxmlformats.org/presentationml/2006/main">
   <p:cSld>
@@ -27905,72 +27635,6 @@
         <p:bldAsOne/>
       </p:bldGraphic>
     </p:bldLst>
-  </p:timing>
-</p:sld>
-</file>
-
-<file path=ppt/slides/slide20.xml><?xml version="1.0" encoding="utf-8"?>
-<p:sld xmlns:a="http://schemas.openxmlformats.org/drawingml/2006/main" xmlns:r="http://schemas.openxmlformats.org/officeDocument/2006/relationships" xmlns:p="http://schemas.openxmlformats.org/presentationml/2006/main">
-  <p:cSld>
-    <p:spTree>
-      <p:nvGrpSpPr>
-        <p:cNvPr id="1" name=""/>
-        <p:cNvGrpSpPr/>
-        <p:nvPr/>
-      </p:nvGrpSpPr>
-      <p:grpSpPr>
-        <a:xfrm>
-          <a:off x="0" y="0"/>
-          <a:ext cx="0" cy="0"/>
-          <a:chOff x="0" y="0"/>
-          <a:chExt cx="0" cy="0"/>
-        </a:xfrm>
-      </p:grpSpPr>
-      <p:pic>
-        <p:nvPicPr>
-          <p:cNvPr id="4" name="Content Placeholder 3"/>
-          <p:cNvPicPr>
-            <a:picLocks noGrp="1" noChangeAspect="1"/>
-          </p:cNvPicPr>
-          <p:nvPr>
-            <p:ph sz="quarter" idx="13"/>
-          </p:nvPr>
-        </p:nvPicPr>
-        <p:blipFill>
-          <a:blip r:embed="rId2">
-            <a:extLst>
-              <a:ext uri="{28A0092B-C50C-407E-A947-70E740481C1C}">
-                <a14:useLocalDpi xmlns:a14="http://schemas.microsoft.com/office/drawing/2010/main" val="0"/>
-              </a:ext>
-            </a:extLst>
-          </a:blip>
-          <a:stretch>
-            <a:fillRect/>
-          </a:stretch>
-        </p:blipFill>
-        <p:spPr>
-          <a:xfrm>
-            <a:off x="1700012" y="759855"/>
-            <a:ext cx="9053848" cy="5422004"/>
-          </a:xfrm>
-        </p:spPr>
-      </p:pic>
-    </p:spTree>
-    <p:extLst>
-      <p:ext uri="{BB962C8B-B14F-4D97-AF65-F5344CB8AC3E}">
-        <p14:creationId xmlns:p14="http://schemas.microsoft.com/office/powerpoint/2010/main" val="2478781517"/>
-      </p:ext>
-    </p:extLst>
-  </p:cSld>
-  <p:clrMapOvr>
-    <a:masterClrMapping/>
-  </p:clrMapOvr>
-  <p:timing>
-    <p:tnLst>
-      <p:par>
-        <p:cTn id="1" dur="indefinite" restart="never" nodeType="tmRoot"/>
-      </p:par>
-    </p:tnLst>
   </p:timing>
 </p:sld>
 </file>

--- a/trunk/WIP/Documents/Report 1/UJD_VN_Exammination/UJD_VN_ProjectOverview_v1.0.pptx
+++ b/trunk/WIP/Documents/Report 1/UJD_VN_Exammination/UJD_VN_ProjectOverview_v1.0.pptx
@@ -21154,19 +21154,7 @@
               <a:rPr lang="vi-VN" cap="none" dirty="0" smtClean="0">
                 <a:latin typeface="+mj-lt"/>
               </a:rPr>
-              <a:t>User can filter and searching words with options: </a:t>
-            </a:r>
-            <a:r>
-              <a:rPr lang="vi-VN" cap="none" dirty="0" smtClean="0">
-                <a:latin typeface="+mj-lt"/>
-              </a:rPr>
-              <a:t>example </a:t>
-            </a:r>
-            <a:r>
-              <a:rPr lang="vi-VN" cap="none" dirty="0" smtClean="0">
-                <a:latin typeface="+mj-lt"/>
-              </a:rPr>
-              <a:t>sentences, grammar, video, conservation, specialized japanese</a:t>
+              <a:t>User can filter and searching words with options: example sentences, grammar, video, conservation, specialized japanese</a:t>
             </a:r>
           </a:p>
           <a:p>
@@ -21174,25 +21162,7 @@
               <a:rPr lang="vi-VN" cap="none" dirty="0" smtClean="0">
                 <a:latin typeface="+mj-lt"/>
               </a:rPr>
-              <a:t>User can learn with many sections: fundamental, intermediate, review JLPT</a:t>
-            </a:r>
-            <a:r>
-              <a:rPr lang="vi-VN" cap="none" dirty="0" smtClean="0">
-                <a:latin typeface="+mj-lt"/>
-              </a:rPr>
-              <a:t>, reading</a:t>
-            </a:r>
-            <a:r>
-              <a:rPr lang="vi-VN" cap="none" dirty="0" smtClean="0">
-                <a:latin typeface="+mj-lt"/>
-              </a:rPr>
-              <a:t>, </a:t>
-            </a:r>
-            <a:r>
-              <a:rPr lang="vi-VN" cap="none" dirty="0" smtClean="0">
-                <a:latin typeface="+mj-lt"/>
-              </a:rPr>
-              <a:t>listening, conservation</a:t>
+              <a:t>User can learn with many sections: fundamental, intermediate, review JLPT, reading, listening, conservation</a:t>
             </a:r>
           </a:p>
           <a:p>
@@ -21202,9 +21172,6 @@
               </a:rPr>
               <a:t>User can contribute database or opinion</a:t>
             </a:r>
-            <a:endParaRPr lang="vi-VN" cap="none" dirty="0" smtClean="0">
-              <a:latin typeface="+mj-lt"/>
-            </a:endParaRPr>
           </a:p>
         </p:txBody>
       </p:sp>
@@ -21986,25 +21953,7 @@
               <a:rPr lang="vi-VN" cap="none" dirty="0" smtClean="0">
                 <a:latin typeface="+mj-lt"/>
               </a:rPr>
-              <a:t>If user is guest, they can register then doing </a:t>
-            </a:r>
-            <a:r>
-              <a:rPr lang="vi-VN" cap="none" dirty="0" smtClean="0">
-                <a:latin typeface="+mj-lt"/>
-              </a:rPr>
-              <a:t>test and tracking </a:t>
-            </a:r>
-            <a:r>
-              <a:rPr lang="vi-VN" cap="none" dirty="0" smtClean="0">
-                <a:latin typeface="+mj-lt"/>
-              </a:rPr>
-              <a:t>mark in manage </a:t>
-            </a:r>
-            <a:r>
-              <a:rPr lang="vi-VN" cap="none" dirty="0" smtClean="0">
-                <a:latin typeface="+mj-lt"/>
-              </a:rPr>
-              <a:t>account</a:t>
+              <a:t>If user is guest, they can register then doing test and tracking mark in manage account</a:t>
             </a:r>
             <a:endParaRPr lang="vi-VN" dirty="0">
               <a:latin typeface="+mj-lt"/>
@@ -22402,33 +22351,8 @@
                 <a:latin typeface="Times New Roman" panose="02020603050405020304" pitchFamily="18" charset="0"/>
                 <a:cs typeface="Times New Roman" panose="02020603050405020304" pitchFamily="18" charset="0"/>
               </a:rPr>
-              <a:t>Admin can manage account: edit, </a:t>
+              <a:t>Admin can manage account: edit, ban, unban, delete member</a:t>
             </a:r>
-            <a:r>
-              <a:rPr lang="en-US" cap="none" dirty="0" smtClean="0">
-                <a:latin typeface="Times New Roman" panose="02020603050405020304" pitchFamily="18" charset="0"/>
-                <a:cs typeface="Times New Roman" panose="02020603050405020304" pitchFamily="18" charset="0"/>
-              </a:rPr>
-              <a:t>ban, unban, </a:t>
-            </a:r>
-            <a:r>
-              <a:rPr lang="en-US" cap="none" dirty="0" smtClean="0">
-                <a:latin typeface="Times New Roman" panose="02020603050405020304" pitchFamily="18" charset="0"/>
-                <a:cs typeface="Times New Roman" panose="02020603050405020304" pitchFamily="18" charset="0"/>
-              </a:rPr>
-              <a:t>delete </a:t>
-            </a:r>
-            <a:r>
-              <a:rPr lang="en-US" cap="none" dirty="0" smtClean="0">
-                <a:latin typeface="Times New Roman" panose="02020603050405020304" pitchFamily="18" charset="0"/>
-                <a:cs typeface="Times New Roman" panose="02020603050405020304" pitchFamily="18" charset="0"/>
-              </a:rPr>
-              <a:t>member</a:t>
-            </a:r>
-            <a:endParaRPr lang="en-US" cap="none" dirty="0" smtClean="0">
-              <a:latin typeface="Times New Roman" panose="02020603050405020304" pitchFamily="18" charset="0"/>
-              <a:cs typeface="Times New Roman" panose="02020603050405020304" pitchFamily="18" charset="0"/>
-            </a:endParaRPr>
           </a:p>
           <a:p>
             <a:r>
@@ -23140,6 +23064,105 @@
                       </p:childTnLst>
                     </p:cTn>
                   </p:par>
+                  <p:par>
+                    <p:cTn id="8" fill="hold">
+                      <p:stCondLst>
+                        <p:cond delay="indefinite"/>
+                      </p:stCondLst>
+                      <p:childTnLst>
+                        <p:par>
+                          <p:cTn id="9" fill="hold">
+                            <p:stCondLst>
+                              <p:cond delay="0"/>
+                            </p:stCondLst>
+                            <p:childTnLst>
+                              <p:par>
+                                <p:cTn id="10" presetID="42" presetClass="entr" presetSubtype="0" fill="hold" nodeType="clickEffect">
+                                  <p:stCondLst>
+                                    <p:cond delay="0"/>
+                                  </p:stCondLst>
+                                  <p:childTnLst>
+                                    <p:set>
+                                      <p:cBhvr>
+                                        <p:cTn id="11" dur="1" fill="hold">
+                                          <p:stCondLst>
+                                            <p:cond delay="0"/>
+                                          </p:stCondLst>
+                                        </p:cTn>
+                                        <p:tgtEl>
+                                          <p:spTgt spid="5"/>
+                                        </p:tgtEl>
+                                        <p:attrNameLst>
+                                          <p:attrName>style.visibility</p:attrName>
+                                        </p:attrNameLst>
+                                      </p:cBhvr>
+                                      <p:to>
+                                        <p:strVal val="visible"/>
+                                      </p:to>
+                                    </p:set>
+                                    <p:animEffect transition="in" filter="fade">
+                                      <p:cBhvr>
+                                        <p:cTn id="12" dur="1000"/>
+                                        <p:tgtEl>
+                                          <p:spTgt spid="5"/>
+                                        </p:tgtEl>
+                                      </p:cBhvr>
+                                    </p:animEffect>
+                                    <p:anim calcmode="lin" valueType="num">
+                                      <p:cBhvr>
+                                        <p:cTn id="13" dur="1000" fill="hold"/>
+                                        <p:tgtEl>
+                                          <p:spTgt spid="5"/>
+                                        </p:tgtEl>
+                                        <p:attrNameLst>
+                                          <p:attrName>ppt_x</p:attrName>
+                                        </p:attrNameLst>
+                                      </p:cBhvr>
+                                      <p:tavLst>
+                                        <p:tav tm="0">
+                                          <p:val>
+                                            <p:strVal val="#ppt_x"/>
+                                          </p:val>
+                                        </p:tav>
+                                        <p:tav tm="100000">
+                                          <p:val>
+                                            <p:strVal val="#ppt_x"/>
+                                          </p:val>
+                                        </p:tav>
+                                      </p:tavLst>
+                                    </p:anim>
+                                    <p:anim calcmode="lin" valueType="num">
+                                      <p:cBhvr>
+                                        <p:cTn id="14" dur="1000" fill="hold"/>
+                                        <p:tgtEl>
+                                          <p:spTgt spid="5"/>
+                                        </p:tgtEl>
+                                        <p:attrNameLst>
+                                          <p:attrName>ppt_y</p:attrName>
+                                        </p:attrNameLst>
+                                      </p:cBhvr>
+                                      <p:tavLst>
+                                        <p:tav tm="0">
+                                          <p:val>
+                                            <p:strVal val="#ppt_y+.1"/>
+                                          </p:val>
+                                        </p:tav>
+                                        <p:tav tm="100000">
+                                          <p:val>
+                                            <p:strVal val="#ppt_y"/>
+                                          </p:val>
+                                        </p:tav>
+                                      </p:tavLst>
+                                    </p:anim>
+                                  </p:childTnLst>
+                                </p:cTn>
+                              </p:par>
+                            </p:childTnLst>
+                          </p:cTn>
+                        </p:par>
+                      </p:childTnLst>
+                    </p:cTn>
+                  </p:par>
                 </p:childTnLst>
               </p:cTn>
               <p:prevCondLst>
@@ -23271,8 +23294,8 @@
         </p:blipFill>
         <p:spPr>
           <a:xfrm>
-            <a:off x="1970468" y="1751527"/>
-            <a:ext cx="7650049" cy="4816698"/>
+            <a:off x="1159099" y="1751527"/>
+            <a:ext cx="7637172" cy="4816698"/>
           </a:xfrm>
         </p:spPr>
       </p:pic>
@@ -23338,6 +23361,105 @@
                                         </p:tgtEl>
                                       </p:cBhvr>
                                     </p:animEffect>
+                                  </p:childTnLst>
+                                </p:cTn>
+                              </p:par>
+                            </p:childTnLst>
+                          </p:cTn>
+                        </p:par>
+                      </p:childTnLst>
+                    </p:cTn>
+                  </p:par>
+                  <p:par>
+                    <p:cTn id="8" fill="hold">
+                      <p:stCondLst>
+                        <p:cond delay="indefinite"/>
+                      </p:stCondLst>
+                      <p:childTnLst>
+                        <p:par>
+                          <p:cTn id="9" fill="hold">
+                            <p:stCondLst>
+                              <p:cond delay="0"/>
+                            </p:stCondLst>
+                            <p:childTnLst>
+                              <p:par>
+                                <p:cTn id="10" presetID="42" presetClass="entr" presetSubtype="0" fill="hold" nodeType="clickEffect">
+                                  <p:stCondLst>
+                                    <p:cond delay="0"/>
+                                  </p:stCondLst>
+                                  <p:childTnLst>
+                                    <p:set>
+                                      <p:cBhvr>
+                                        <p:cTn id="11" dur="1" fill="hold">
+                                          <p:stCondLst>
+                                            <p:cond delay="0"/>
+                                          </p:stCondLst>
+                                        </p:cTn>
+                                        <p:tgtEl>
+                                          <p:spTgt spid="3"/>
+                                        </p:tgtEl>
+                                        <p:attrNameLst>
+                                          <p:attrName>style.visibility</p:attrName>
+                                        </p:attrNameLst>
+                                      </p:cBhvr>
+                                      <p:to>
+                                        <p:strVal val="visible"/>
+                                      </p:to>
+                                    </p:set>
+                                    <p:animEffect transition="in" filter="fade">
+                                      <p:cBhvr>
+                                        <p:cTn id="12" dur="1000"/>
+                                        <p:tgtEl>
+                                          <p:spTgt spid="3"/>
+                                        </p:tgtEl>
+                                      </p:cBhvr>
+                                    </p:animEffect>
+                                    <p:anim calcmode="lin" valueType="num">
+                                      <p:cBhvr>
+                                        <p:cTn id="13" dur="1000" fill="hold"/>
+                                        <p:tgtEl>
+                                          <p:spTgt spid="3"/>
+                                        </p:tgtEl>
+                                        <p:attrNameLst>
+                                          <p:attrName>ppt_x</p:attrName>
+                                        </p:attrNameLst>
+                                      </p:cBhvr>
+                                      <p:tavLst>
+                                        <p:tav tm="0">
+                                          <p:val>
+                                            <p:strVal val="#ppt_x"/>
+                                          </p:val>
+                                        </p:tav>
+                                        <p:tav tm="100000">
+                                          <p:val>
+                                            <p:strVal val="#ppt_x"/>
+                                          </p:val>
+                                        </p:tav>
+                                      </p:tavLst>
+                                    </p:anim>
+                                    <p:anim calcmode="lin" valueType="num">
+                                      <p:cBhvr>
+                                        <p:cTn id="14" dur="1000" fill="hold"/>
+                                        <p:tgtEl>
+                                          <p:spTgt spid="3"/>
+                                        </p:tgtEl>
+                                        <p:attrNameLst>
+                                          <p:attrName>ppt_y</p:attrName>
+                                        </p:attrNameLst>
+                                      </p:cBhvr>
+                                      <p:tavLst>
+                                        <p:tav tm="0">
+                                          <p:val>
+                                            <p:strVal val="#ppt_y+.1"/>
+                                          </p:val>
+                                        </p:tav>
+                                        <p:tav tm="100000">
+                                          <p:val>
+                                            <p:strVal val="#ppt_y"/>
+                                          </p:val>
+                                        </p:tav>
+                                      </p:tavLst>
+                                    </p:anim>
                                   </p:childTnLst>
                                 </p:cTn>
                               </p:par>
@@ -26407,14 +26529,7 @@
                 <a:latin typeface="Times New Roman" panose="02020603050405020304" pitchFamily="18" charset="0"/>
                 <a:cs typeface="Times New Roman" panose="02020603050405020304" pitchFamily="18" charset="0"/>
               </a:rPr>
-              <a:t>, </a:t>
-            </a:r>
-            <a:r>
-              <a:rPr lang="en-US" cap="none" dirty="0" smtClean="0">
-                <a:latin typeface="Times New Roman" panose="02020603050405020304" pitchFamily="18" charset="0"/>
-                <a:cs typeface="Times New Roman" panose="02020603050405020304" pitchFamily="18" charset="0"/>
-              </a:rPr>
-              <a:t>delete member</a:t>
+              <a:t>, delete member</a:t>
             </a:r>
           </a:p>
           <a:p>
